--- a/Project_2_Group_10_pmob.pptx
+++ b/Project_2_Group_10_pmob.pptx
@@ -5,28 +5,27 @@
     <p:sldMasterId id="2147483648" r:id="rId1"/>
   </p:sldMasterIdLst>
   <p:notesMasterIdLst>
-    <p:notesMasterId r:id="rId21"/>
+    <p:notesMasterId r:id="rId20"/>
   </p:notesMasterIdLst>
   <p:sldIdLst>
     <p:sldId id="256" r:id="rId2"/>
     <p:sldId id="268" r:id="rId3"/>
     <p:sldId id="275" r:id="rId4"/>
     <p:sldId id="277" r:id="rId5"/>
-    <p:sldId id="276" r:id="rId6"/>
-    <p:sldId id="270" r:id="rId7"/>
-    <p:sldId id="271" r:id="rId8"/>
-    <p:sldId id="272" r:id="rId9"/>
-    <p:sldId id="273" r:id="rId10"/>
-    <p:sldId id="260" r:id="rId11"/>
-    <p:sldId id="269" r:id="rId12"/>
-    <p:sldId id="258" r:id="rId13"/>
-    <p:sldId id="274" r:id="rId14"/>
-    <p:sldId id="257" r:id="rId15"/>
-    <p:sldId id="262" r:id="rId16"/>
-    <p:sldId id="259" r:id="rId17"/>
-    <p:sldId id="263" r:id="rId18"/>
-    <p:sldId id="267" r:id="rId19"/>
-    <p:sldId id="265" r:id="rId20"/>
+    <p:sldId id="270" r:id="rId6"/>
+    <p:sldId id="271" r:id="rId7"/>
+    <p:sldId id="272" r:id="rId8"/>
+    <p:sldId id="273" r:id="rId9"/>
+    <p:sldId id="260" r:id="rId10"/>
+    <p:sldId id="269" r:id="rId11"/>
+    <p:sldId id="258" r:id="rId12"/>
+    <p:sldId id="274" r:id="rId13"/>
+    <p:sldId id="257" r:id="rId14"/>
+    <p:sldId id="262" r:id="rId15"/>
+    <p:sldId id="259" r:id="rId16"/>
+    <p:sldId id="263" r:id="rId17"/>
+    <p:sldId id="267" r:id="rId18"/>
+    <p:sldId id="265" r:id="rId19"/>
   </p:sldIdLst>
   <p:sldSz cx="12192000" cy="6858000"/>
   <p:notesSz cx="6858000" cy="9144000"/>
@@ -631,7 +630,7 @@
           <a:p>
             <a:fld id="{A7FE854B-F042-40AB-A8CC-8D2DE5C84AC8}" type="slidenum">
               <a:rPr lang="en-US" smtClean="0"/>
-              <a:t>16</a:t>
+              <a:t>15</a:t>
             </a:fld>
             <a:endParaRPr lang="en-US"/>
           </a:p>
@@ -715,7 +714,7 @@
           <a:p>
             <a:fld id="{A7FE854B-F042-40AB-A8CC-8D2DE5C84AC8}" type="slidenum">
               <a:rPr lang="en-US" smtClean="0"/>
-              <a:t>17</a:t>
+              <a:t>16</a:t>
             </a:fld>
             <a:endParaRPr lang="en-US"/>
           </a:p>
@@ -799,7 +798,7 @@
           <a:p>
             <a:fld id="{A7FE854B-F042-40AB-A8CC-8D2DE5C84AC8}" type="slidenum">
               <a:rPr lang="en-US" smtClean="0"/>
-              <a:t>18</a:t>
+              <a:t>17</a:t>
             </a:fld>
             <a:endParaRPr lang="en-US"/>
           </a:p>
@@ -883,7 +882,7 @@
           <a:p>
             <a:fld id="{A7FE854B-F042-40AB-A8CC-8D2DE5C84AC8}" type="slidenum">
               <a:rPr lang="en-US" smtClean="0"/>
-              <a:t>19</a:t>
+              <a:t>18</a:t>
             </a:fld>
             <a:endParaRPr lang="en-US"/>
           </a:p>
@@ -967,7 +966,7 @@
           <a:p>
             <a:fld id="{A7FE854B-F042-40AB-A8CC-8D2DE5C84AC8}" type="slidenum">
               <a:rPr lang="en-US" smtClean="0"/>
-              <a:t>7</a:t>
+              <a:t>6</a:t>
             </a:fld>
             <a:endParaRPr lang="en-US"/>
           </a:p>
@@ -1051,7 +1050,7 @@
           <a:p>
             <a:fld id="{A7FE854B-F042-40AB-A8CC-8D2DE5C84AC8}" type="slidenum">
               <a:rPr lang="en-US" smtClean="0"/>
-              <a:t>8</a:t>
+              <a:t>7</a:t>
             </a:fld>
             <a:endParaRPr lang="en-US"/>
           </a:p>
@@ -1135,7 +1134,7 @@
           <a:p>
             <a:fld id="{A7FE854B-F042-40AB-A8CC-8D2DE5C84AC8}" type="slidenum">
               <a:rPr lang="en-US" smtClean="0"/>
-              <a:t>9</a:t>
+              <a:t>8</a:t>
             </a:fld>
             <a:endParaRPr lang="en-US"/>
           </a:p>
@@ -1219,7 +1218,7 @@
           <a:p>
             <a:fld id="{A7FE854B-F042-40AB-A8CC-8D2DE5C84AC8}" type="slidenum">
               <a:rPr lang="en-US" smtClean="0"/>
-              <a:t>10</a:t>
+              <a:t>9</a:t>
             </a:fld>
             <a:endParaRPr lang="en-US"/>
           </a:p>
@@ -1303,7 +1302,7 @@
           <a:p>
             <a:fld id="{A7FE854B-F042-40AB-A8CC-8D2DE5C84AC8}" type="slidenum">
               <a:rPr lang="en-US" smtClean="0"/>
-              <a:t>12</a:t>
+              <a:t>11</a:t>
             </a:fld>
             <a:endParaRPr lang="en-US"/>
           </a:p>
@@ -1387,7 +1386,7 @@
           <a:p>
             <a:fld id="{A7FE854B-F042-40AB-A8CC-8D2DE5C84AC8}" type="slidenum">
               <a:rPr lang="en-US" smtClean="0"/>
-              <a:t>13</a:t>
+              <a:t>12</a:t>
             </a:fld>
             <a:endParaRPr lang="en-US"/>
           </a:p>
@@ -1471,7 +1470,7 @@
           <a:p>
             <a:fld id="{A7FE854B-F042-40AB-A8CC-8D2DE5C84AC8}" type="slidenum">
               <a:rPr lang="en-US" smtClean="0"/>
-              <a:t>14</a:t>
+              <a:t>13</a:t>
             </a:fld>
             <a:endParaRPr lang="en-US"/>
           </a:p>
@@ -1555,7 +1554,7 @@
           <a:p>
             <a:fld id="{A7FE854B-F042-40AB-A8CC-8D2DE5C84AC8}" type="slidenum">
               <a:rPr lang="en-US" smtClean="0"/>
-              <a:t>15</a:t>
+              <a:t>14</a:t>
             </a:fld>
             <a:endParaRPr lang="en-US"/>
           </a:p>
@@ -4830,164 +4829,6 @@
           <p:cNvPr id="2" name="Title 1">
             <a:extLst>
               <a:ext uri="{FF2B5EF4-FFF2-40B4-BE49-F238E27FC236}">
-                <a16:creationId xmlns:a16="http://schemas.microsoft.com/office/drawing/2014/main" id="{11454E09-CFEA-4CB8-B06F-E98298309E31}"/>
-              </a:ext>
-            </a:extLst>
-          </p:cNvPr>
-          <p:cNvSpPr>
-            <a:spLocks noGrp="1"/>
-          </p:cNvSpPr>
-          <p:nvPr>
-            <p:ph type="title"/>
-          </p:nvPr>
-        </p:nvSpPr>
-        <p:spPr/>
-        <p:txBody>
-          <a:bodyPr/>
-          <a:lstStyle/>
-          <a:p>
-            <a:pPr algn="l"/>
-            <a:r>
-              <a:rPr lang="en-US" dirty="0"/>
-              <a:t>The Bubble trends</a:t>
-            </a:r>
-          </a:p>
-        </p:txBody>
-      </p:sp>
-      <p:sp>
-        <p:nvSpPr>
-          <p:cNvPr id="3" name="Content Placeholder 2">
-            <a:extLst>
-              <a:ext uri="{FF2B5EF4-FFF2-40B4-BE49-F238E27FC236}">
-                <a16:creationId xmlns:a16="http://schemas.microsoft.com/office/drawing/2014/main" id="{7BFE4042-24DF-4107-9C7E-524FFBD186AD}"/>
-              </a:ext>
-            </a:extLst>
-          </p:cNvPr>
-          <p:cNvSpPr>
-            <a:spLocks noGrp="1"/>
-          </p:cNvSpPr>
-          <p:nvPr>
-            <p:ph idx="1"/>
-          </p:nvPr>
-        </p:nvSpPr>
-        <p:spPr/>
-        <p:txBody>
-          <a:bodyPr>
-            <a:normAutofit lnSpcReduction="10000"/>
-          </a:bodyPr>
-          <a:lstStyle/>
-          <a:p>
-            <a:r>
-              <a:rPr lang="en-US" dirty="0"/>
-              <a:t>Industries are side by side comparisons of Big and Small Businesses</a:t>
-            </a:r>
-          </a:p>
-          <a:p>
-            <a:r>
-              <a:rPr lang="en-US" dirty="0"/>
-              <a:t>Revenue by industry (this shows a 1</a:t>
-            </a:r>
-            <a:r>
-              <a:rPr lang="en-US" baseline="30000" dirty="0"/>
-              <a:t>st</a:t>
-            </a:r>
-            <a:r>
-              <a:rPr lang="en-US" dirty="0"/>
-              <a:t> world *service* economy)</a:t>
-            </a:r>
-          </a:p>
-          <a:p>
-            <a:pPr lvl="1"/>
-            <a:r>
-              <a:rPr lang="en-US" dirty="0"/>
-              <a:t>Management, Utilities, Finance &amp; Insurance, Resource Exploitation</a:t>
-            </a:r>
-          </a:p>
-          <a:p>
-            <a:pPr lvl="8"/>
-            <a:r>
-              <a:rPr lang="en-US" dirty="0"/>
-              <a:t>(3</a:t>
-            </a:r>
-            <a:r>
-              <a:rPr lang="en-US" baseline="30000" dirty="0"/>
-              <a:t>rd</a:t>
-            </a:r>
-            <a:r>
-              <a:rPr lang="en-US" dirty="0"/>
-              <a:t> world has the last one as #1 industry every time)</a:t>
-            </a:r>
-          </a:p>
-          <a:p>
-            <a:r>
-              <a:rPr lang="en-US" dirty="0"/>
-              <a:t>Information is a rapidly growing piece of the pie (@10k per pop) ;)</a:t>
-            </a:r>
-          </a:p>
-          <a:p>
-            <a:r>
-              <a:rPr lang="en-US" dirty="0"/>
-              <a:t>Large Businesses dominate the US economies Total Payroll</a:t>
-            </a:r>
-          </a:p>
-          <a:p>
-            <a:r>
-              <a:rPr lang="en-US" dirty="0"/>
-              <a:t>Time permitting the “by industry” Average Salary differentials would be an interesting deep dive comparison</a:t>
-            </a:r>
-          </a:p>
-          <a:p>
-            <a:endParaRPr lang="en-US" dirty="0"/>
-          </a:p>
-          <a:p>
-            <a:pPr marL="0" indent="0">
-              <a:buNone/>
-            </a:pPr>
-            <a:endParaRPr lang="en-US" dirty="0"/>
-          </a:p>
-          <a:p>
-            <a:endParaRPr lang="en-US" dirty="0"/>
-          </a:p>
-          <a:p>
-            <a:endParaRPr lang="en-US" dirty="0"/>
-          </a:p>
-        </p:txBody>
-      </p:sp>
-    </p:spTree>
-    <p:extLst>
-      <p:ext uri="{BB962C8B-B14F-4D97-AF65-F5344CB8AC3E}">
-        <p14:creationId xmlns:p14="http://schemas.microsoft.com/office/powerpoint/2010/main" val="4049647872"/>
-      </p:ext>
-    </p:extLst>
-  </p:cSld>
-  <p:clrMapOvr>
-    <a:masterClrMapping/>
-  </p:clrMapOvr>
-</p:sld>
-</file>
-
-<file path=ppt/slides/slide11.xml><?xml version="1.0" encoding="utf-8"?>
-<p:sld xmlns:a="http://schemas.openxmlformats.org/drawingml/2006/main" xmlns:r="http://schemas.openxmlformats.org/officeDocument/2006/relationships" xmlns:p="http://schemas.openxmlformats.org/presentationml/2006/main">
-  <p:cSld>
-    <p:spTree>
-      <p:nvGrpSpPr>
-        <p:cNvPr id="1" name=""/>
-        <p:cNvGrpSpPr/>
-        <p:nvPr/>
-      </p:nvGrpSpPr>
-      <p:grpSpPr>
-        <a:xfrm>
-          <a:off x="0" y="0"/>
-          <a:ext cx="0" cy="0"/>
-          <a:chOff x="0" y="0"/>
-          <a:chExt cx="0" cy="0"/>
-        </a:xfrm>
-      </p:grpSpPr>
-      <p:sp>
-        <p:nvSpPr>
-          <p:cNvPr id="2" name="Title 1">
-            <a:extLst>
-              <a:ext uri="{FF2B5EF4-FFF2-40B4-BE49-F238E27FC236}">
                 <a16:creationId xmlns:a16="http://schemas.microsoft.com/office/drawing/2014/main" id="{745B22F2-ABCA-48AD-BAFF-517A32C33F83}"/>
               </a:ext>
             </a:extLst>
@@ -5072,7 +4913,7 @@
 </p:sld>
 </file>
 
-<file path=ppt/slides/slide12.xml><?xml version="1.0" encoding="utf-8"?>
+<file path=ppt/slides/slide11.xml><?xml version="1.0" encoding="utf-8"?>
 <p:sld xmlns:a="http://schemas.openxmlformats.org/drawingml/2006/main" xmlns:r="http://schemas.openxmlformats.org/officeDocument/2006/relationships" xmlns:p="http://schemas.openxmlformats.org/presentationml/2006/main">
   <p:cSld>
     <p:spTree>
@@ -5165,7 +5006,7 @@
 </p:sld>
 </file>
 
-<file path=ppt/slides/slide13.xml><?xml version="1.0" encoding="utf-8"?>
+<file path=ppt/slides/slide12.xml><?xml version="1.0" encoding="utf-8"?>
 <p:sld xmlns:a="http://schemas.openxmlformats.org/drawingml/2006/main" xmlns:r="http://schemas.openxmlformats.org/officeDocument/2006/relationships" xmlns:p="http://schemas.openxmlformats.org/presentationml/2006/main">
   <p:cSld>
     <p:spTree>
@@ -5266,7 +5107,7 @@
 </p:sld>
 </file>
 
-<file path=ppt/slides/slide14.xml><?xml version="1.0" encoding="utf-8"?>
+<file path=ppt/slides/slide13.xml><?xml version="1.0" encoding="utf-8"?>
 <p:sld xmlns:a="http://schemas.openxmlformats.org/drawingml/2006/main" xmlns:r="http://schemas.openxmlformats.org/officeDocument/2006/relationships" xmlns:p="http://schemas.openxmlformats.org/presentationml/2006/main">
   <p:cSld>
     <p:spTree>
@@ -5396,7 +5237,7 @@
 </p:sld>
 </file>
 
-<file path=ppt/slides/slide15.xml><?xml version="1.0" encoding="utf-8"?>
+<file path=ppt/slides/slide14.xml><?xml version="1.0" encoding="utf-8"?>
 <p:sld xmlns:a="http://schemas.openxmlformats.org/drawingml/2006/main" xmlns:r="http://schemas.openxmlformats.org/officeDocument/2006/relationships" xmlns:p="http://schemas.openxmlformats.org/presentationml/2006/main">
   <p:cSld>
     <p:spTree>
@@ -5456,7 +5297,7 @@
 </p:sld>
 </file>
 
-<file path=ppt/slides/slide16.xml><?xml version="1.0" encoding="utf-8"?>
+<file path=ppt/slides/slide15.xml><?xml version="1.0" encoding="utf-8"?>
 <p:sld xmlns:a="http://schemas.openxmlformats.org/drawingml/2006/main" xmlns:r="http://schemas.openxmlformats.org/officeDocument/2006/relationships" xmlns:p="http://schemas.openxmlformats.org/presentationml/2006/main">
   <p:cSld>
     <p:spTree>
@@ -5577,7 +5418,7 @@
 </p:sld>
 </file>
 
-<file path=ppt/slides/slide17.xml><?xml version="1.0" encoding="utf-8"?>
+<file path=ppt/slides/slide16.xml><?xml version="1.0" encoding="utf-8"?>
 <p:sld xmlns:a="http://schemas.openxmlformats.org/drawingml/2006/main" xmlns:r="http://schemas.openxmlformats.org/officeDocument/2006/relationships" xmlns:p="http://schemas.openxmlformats.org/presentationml/2006/main">
   <p:cSld>
     <p:spTree>
@@ -5851,7 +5692,7 @@
 </p:sld>
 </file>
 
-<file path=ppt/slides/slide18.xml><?xml version="1.0" encoding="utf-8"?>
+<file path=ppt/slides/slide17.xml><?xml version="1.0" encoding="utf-8"?>
 <p:sld xmlns:a="http://schemas.openxmlformats.org/drawingml/2006/main" xmlns:r="http://schemas.openxmlformats.org/officeDocument/2006/relationships" xmlns:p="http://schemas.openxmlformats.org/presentationml/2006/main">
   <p:cSld>
     <p:spTree>
@@ -5966,7 +5807,7 @@
 </p:sld>
 </file>
 
-<file path=ppt/slides/slide19.xml><?xml version="1.0" encoding="utf-8"?>
+<file path=ppt/slides/slide18.xml><?xml version="1.0" encoding="utf-8"?>
 <p:sld xmlns:a="http://schemas.openxmlformats.org/drawingml/2006/main" xmlns:r="http://schemas.openxmlformats.org/officeDocument/2006/relationships" xmlns:p="http://schemas.openxmlformats.org/presentationml/2006/main">
   <p:cSld>
     <p:spTree>
@@ -6448,6 +6289,36 @@
           </a:p>
         </p:txBody>
       </p:sp>
+      <p:pic>
+        <p:nvPicPr>
+          <p:cNvPr id="29" name="Picture 28">
+            <a:extLst>
+              <a:ext uri="{FF2B5EF4-FFF2-40B4-BE49-F238E27FC236}">
+                <a16:creationId xmlns:a16="http://schemas.microsoft.com/office/drawing/2014/main" id="{76BB97AE-BD82-4FB3-BFE9-F35F87281E42}"/>
+              </a:ext>
+            </a:extLst>
+          </p:cNvPr>
+          <p:cNvPicPr>
+            <a:picLocks noChangeAspect="1"/>
+          </p:cNvPicPr>
+          <p:nvPr/>
+        </p:nvPicPr>
+        <p:blipFill>
+          <a:blip r:embed="rId2"/>
+          <a:stretch>
+            <a:fillRect/>
+          </a:stretch>
+        </p:blipFill>
+        <p:spPr>
+          <a:xfrm>
+            <a:off x="1108364" y="1469066"/>
+            <a:ext cx="8625538" cy="4273121"/>
+          </a:xfrm>
+          <a:prstGeom prst="rect">
+            <a:avLst/>
+          </a:prstGeom>
+        </p:spPr>
+      </p:pic>
     </p:spTree>
     <p:extLst>
       <p:ext uri="{BB962C8B-B14F-4D97-AF65-F5344CB8AC3E}">
@@ -6494,121 +6365,6 @@
             <p:ph type="title"/>
           </p:nvPr>
         </p:nvSpPr>
-        <p:spPr>
-          <a:xfrm>
-            <a:off x="1373942" y="539902"/>
-            <a:ext cx="9291215" cy="851753"/>
-          </a:xfrm>
-        </p:spPr>
-        <p:txBody>
-          <a:bodyPr/>
-          <a:lstStyle/>
-          <a:p>
-            <a:pPr algn="l"/>
-            <a:r>
-              <a:rPr lang="en-US" dirty="0"/>
-              <a:t>CODING TECHNIQUES</a:t>
-            </a:r>
-          </a:p>
-        </p:txBody>
-      </p:sp>
-      <p:sp>
-        <p:nvSpPr>
-          <p:cNvPr id="3" name="Content Placeholder 2">
-            <a:extLst>
-              <a:ext uri="{FF2B5EF4-FFF2-40B4-BE49-F238E27FC236}">
-                <a16:creationId xmlns:a16="http://schemas.microsoft.com/office/drawing/2014/main" id="{E2310E3E-6483-4B36-A28F-0F6EB7A0352A}"/>
-              </a:ext>
-            </a:extLst>
-          </p:cNvPr>
-          <p:cNvSpPr>
-            <a:spLocks noGrp="1"/>
-          </p:cNvSpPr>
-          <p:nvPr>
-            <p:ph idx="1"/>
-          </p:nvPr>
-        </p:nvSpPr>
-        <p:spPr>
-          <a:xfrm>
-            <a:off x="1451579" y="1744910"/>
-            <a:ext cx="9291215" cy="3721435"/>
-          </a:xfrm>
-        </p:spPr>
-        <p:txBody>
-          <a:bodyPr>
-            <a:normAutofit/>
-          </a:bodyPr>
-          <a:lstStyle/>
-          <a:p>
-            <a:pPr lvl="2"/>
-            <a:endParaRPr lang="en-US" dirty="0"/>
-          </a:p>
-          <a:p>
-            <a:pPr lvl="2"/>
-            <a:r>
-              <a:rPr lang="en-US" dirty="0"/>
-              <a:t>Extract &amp; Transformation – Power BI (M language), Python Pandas</a:t>
-            </a:r>
-          </a:p>
-          <a:p>
-            <a:pPr lvl="2"/>
-            <a:r>
-              <a:rPr lang="en-US" dirty="0"/>
-              <a:t>Load – Postgres SQL</a:t>
-            </a:r>
-          </a:p>
-          <a:p>
-            <a:pPr lvl="2"/>
-            <a:endParaRPr lang="en-US" dirty="0"/>
-          </a:p>
-        </p:txBody>
-      </p:sp>
-    </p:spTree>
-    <p:extLst>
-      <p:ext uri="{BB962C8B-B14F-4D97-AF65-F5344CB8AC3E}">
-        <p14:creationId xmlns:p14="http://schemas.microsoft.com/office/powerpoint/2010/main" val="3334764090"/>
-      </p:ext>
-    </p:extLst>
-  </p:cSld>
-  <p:clrMapOvr>
-    <a:masterClrMapping/>
-  </p:clrMapOvr>
-</p:sld>
-</file>
-
-<file path=ppt/slides/slide6.xml><?xml version="1.0" encoding="utf-8"?>
-<p:sld xmlns:a="http://schemas.openxmlformats.org/drawingml/2006/main" xmlns:r="http://schemas.openxmlformats.org/officeDocument/2006/relationships" xmlns:p="http://schemas.openxmlformats.org/presentationml/2006/main">
-  <p:cSld>
-    <p:spTree>
-      <p:nvGrpSpPr>
-        <p:cNvPr id="1" name=""/>
-        <p:cNvGrpSpPr/>
-        <p:nvPr/>
-      </p:nvGrpSpPr>
-      <p:grpSpPr>
-        <a:xfrm>
-          <a:off x="0" y="0"/>
-          <a:ext cx="0" cy="0"/>
-          <a:chOff x="0" y="0"/>
-          <a:chExt cx="0" cy="0"/>
-        </a:xfrm>
-      </p:grpSpPr>
-      <p:sp>
-        <p:nvSpPr>
-          <p:cNvPr id="2" name="Title 1">
-            <a:extLst>
-              <a:ext uri="{FF2B5EF4-FFF2-40B4-BE49-F238E27FC236}">
-                <a16:creationId xmlns:a16="http://schemas.microsoft.com/office/drawing/2014/main" id="{745B22F2-ABCA-48AD-BAFF-517A32C33F83}"/>
-              </a:ext>
-            </a:extLst>
-          </p:cNvPr>
-          <p:cNvSpPr>
-            <a:spLocks noGrp="1"/>
-          </p:cNvSpPr>
-          <p:nvPr>
-            <p:ph type="title"/>
-          </p:nvPr>
-        </p:nvSpPr>
         <p:spPr/>
         <p:txBody>
           <a:bodyPr/>
@@ -6695,7 +6451,7 @@
 </p:sld>
 </file>
 
-<file path=ppt/slides/slide7.xml><?xml version="1.0" encoding="utf-8"?>
+<file path=ppt/slides/slide6.xml><?xml version="1.0" encoding="utf-8"?>
 <p:sld xmlns:a="http://schemas.openxmlformats.org/drawingml/2006/main" xmlns:r="http://schemas.openxmlformats.org/officeDocument/2006/relationships" xmlns:p="http://schemas.openxmlformats.org/presentationml/2006/main">
   <p:cSld>
     <p:spTree>
@@ -6820,7 +6576,7 @@
 </p:sld>
 </file>
 
-<file path=ppt/slides/slide8.xml><?xml version="1.0" encoding="utf-8"?>
+<file path=ppt/slides/slide7.xml><?xml version="1.0" encoding="utf-8"?>
 <p:sld xmlns:a="http://schemas.openxmlformats.org/drawingml/2006/main" xmlns:r="http://schemas.openxmlformats.org/officeDocument/2006/relationships" xmlns:p="http://schemas.openxmlformats.org/presentationml/2006/main">
   <p:cSld>
     <p:spTree>
@@ -6913,7 +6669,7 @@
 </p:sld>
 </file>
 
-<file path=ppt/slides/slide9.xml><?xml version="1.0" encoding="utf-8"?>
+<file path=ppt/slides/slide8.xml><?xml version="1.0" encoding="utf-8"?>
 <p:sld xmlns:a="http://schemas.openxmlformats.org/drawingml/2006/main" xmlns:r="http://schemas.openxmlformats.org/officeDocument/2006/relationships" xmlns:p="http://schemas.openxmlformats.org/presentationml/2006/main">
   <p:cSld>
     <p:spTree>
@@ -6997,6 +6753,164 @@
     <p:extLst>
       <p:ext uri="{BB962C8B-B14F-4D97-AF65-F5344CB8AC3E}">
         <p14:creationId xmlns:p14="http://schemas.microsoft.com/office/powerpoint/2010/main" val="174007766"/>
+      </p:ext>
+    </p:extLst>
+  </p:cSld>
+  <p:clrMapOvr>
+    <a:masterClrMapping/>
+  </p:clrMapOvr>
+</p:sld>
+</file>
+
+<file path=ppt/slides/slide9.xml><?xml version="1.0" encoding="utf-8"?>
+<p:sld xmlns:a="http://schemas.openxmlformats.org/drawingml/2006/main" xmlns:r="http://schemas.openxmlformats.org/officeDocument/2006/relationships" xmlns:p="http://schemas.openxmlformats.org/presentationml/2006/main">
+  <p:cSld>
+    <p:spTree>
+      <p:nvGrpSpPr>
+        <p:cNvPr id="1" name=""/>
+        <p:cNvGrpSpPr/>
+        <p:nvPr/>
+      </p:nvGrpSpPr>
+      <p:grpSpPr>
+        <a:xfrm>
+          <a:off x="0" y="0"/>
+          <a:ext cx="0" cy="0"/>
+          <a:chOff x="0" y="0"/>
+          <a:chExt cx="0" cy="0"/>
+        </a:xfrm>
+      </p:grpSpPr>
+      <p:sp>
+        <p:nvSpPr>
+          <p:cNvPr id="2" name="Title 1">
+            <a:extLst>
+              <a:ext uri="{FF2B5EF4-FFF2-40B4-BE49-F238E27FC236}">
+                <a16:creationId xmlns:a16="http://schemas.microsoft.com/office/drawing/2014/main" id="{11454E09-CFEA-4CB8-B06F-E98298309E31}"/>
+              </a:ext>
+            </a:extLst>
+          </p:cNvPr>
+          <p:cNvSpPr>
+            <a:spLocks noGrp="1"/>
+          </p:cNvSpPr>
+          <p:nvPr>
+            <p:ph type="title"/>
+          </p:nvPr>
+        </p:nvSpPr>
+        <p:spPr/>
+        <p:txBody>
+          <a:bodyPr/>
+          <a:lstStyle/>
+          <a:p>
+            <a:pPr algn="l"/>
+            <a:r>
+              <a:rPr lang="en-US" dirty="0"/>
+              <a:t>The Bubble trends</a:t>
+            </a:r>
+          </a:p>
+        </p:txBody>
+      </p:sp>
+      <p:sp>
+        <p:nvSpPr>
+          <p:cNvPr id="3" name="Content Placeholder 2">
+            <a:extLst>
+              <a:ext uri="{FF2B5EF4-FFF2-40B4-BE49-F238E27FC236}">
+                <a16:creationId xmlns:a16="http://schemas.microsoft.com/office/drawing/2014/main" id="{7BFE4042-24DF-4107-9C7E-524FFBD186AD}"/>
+              </a:ext>
+            </a:extLst>
+          </p:cNvPr>
+          <p:cNvSpPr>
+            <a:spLocks noGrp="1"/>
+          </p:cNvSpPr>
+          <p:nvPr>
+            <p:ph idx="1"/>
+          </p:nvPr>
+        </p:nvSpPr>
+        <p:spPr/>
+        <p:txBody>
+          <a:bodyPr>
+            <a:normAutofit lnSpcReduction="10000"/>
+          </a:bodyPr>
+          <a:lstStyle/>
+          <a:p>
+            <a:r>
+              <a:rPr lang="en-US" dirty="0"/>
+              <a:t>Industries are side by side comparisons of Big and Small Businesses</a:t>
+            </a:r>
+          </a:p>
+          <a:p>
+            <a:r>
+              <a:rPr lang="en-US" dirty="0"/>
+              <a:t>Revenue by industry (this shows a 1</a:t>
+            </a:r>
+            <a:r>
+              <a:rPr lang="en-US" baseline="30000" dirty="0"/>
+              <a:t>st</a:t>
+            </a:r>
+            <a:r>
+              <a:rPr lang="en-US" dirty="0"/>
+              <a:t> world *service* economy)</a:t>
+            </a:r>
+          </a:p>
+          <a:p>
+            <a:pPr lvl="1"/>
+            <a:r>
+              <a:rPr lang="en-US" dirty="0"/>
+              <a:t>Management, Utilities, Finance &amp; Insurance, Resource Exploitation</a:t>
+            </a:r>
+          </a:p>
+          <a:p>
+            <a:pPr lvl="8"/>
+            <a:r>
+              <a:rPr lang="en-US" dirty="0"/>
+              <a:t>(3</a:t>
+            </a:r>
+            <a:r>
+              <a:rPr lang="en-US" baseline="30000" dirty="0"/>
+              <a:t>rd</a:t>
+            </a:r>
+            <a:r>
+              <a:rPr lang="en-US" dirty="0"/>
+              <a:t> world has the last one as #1 industry every time)</a:t>
+            </a:r>
+          </a:p>
+          <a:p>
+            <a:r>
+              <a:rPr lang="en-US" dirty="0"/>
+              <a:t>Information is a rapidly growing piece of the pie (@10k per pop) ;)</a:t>
+            </a:r>
+          </a:p>
+          <a:p>
+            <a:r>
+              <a:rPr lang="en-US" dirty="0"/>
+              <a:t>Large Businesses dominate the US economies Total Payroll</a:t>
+            </a:r>
+          </a:p>
+          <a:p>
+            <a:r>
+              <a:rPr lang="en-US" dirty="0"/>
+              <a:t>Time permitting the “by industry” Average Salary differentials would be an interesting deep dive comparison</a:t>
+            </a:r>
+          </a:p>
+          <a:p>
+            <a:endParaRPr lang="en-US" dirty="0"/>
+          </a:p>
+          <a:p>
+            <a:pPr marL="0" indent="0">
+              <a:buNone/>
+            </a:pPr>
+            <a:endParaRPr lang="en-US" dirty="0"/>
+          </a:p>
+          <a:p>
+            <a:endParaRPr lang="en-US" dirty="0"/>
+          </a:p>
+          <a:p>
+            <a:endParaRPr lang="en-US" dirty="0"/>
+          </a:p>
+        </p:txBody>
+      </p:sp>
+    </p:spTree>
+    <p:extLst>
+      <p:ext uri="{BB962C8B-B14F-4D97-AF65-F5344CB8AC3E}">
+        <p14:creationId xmlns:p14="http://schemas.microsoft.com/office/powerpoint/2010/main" val="4049647872"/>
       </p:ext>
     </p:extLst>
   </p:cSld>

--- a/Project_2_Group_10_pmob.pptx
+++ b/Project_2_Group_10_pmob.pptx
@@ -4889,13 +4889,13 @@
           <a:p>
             <a:r>
               <a:rPr lang="en-US" dirty="0"/>
-              <a:t>Big business grew from 08 to 10 then dropped until 14 then jumped 1M in 15, then dropping the next 2 years, look into something between 13 and 14 causing massive big biz windfall in 15.</a:t>
-            </a:r>
-          </a:p>
-          <a:p>
-            <a:r>
-              <a:rPr lang="en-US" dirty="0"/>
-              <a:t>Small Businesses dropped every year from 08 to 15, jumping significantly in 16. Falls in line with historical political trends as to small businesses support. </a:t>
+              <a:t>Big business grew from 2008 to 2010 then dropped until 2014 then jumped 1M in 2015, then dropping the next 2 years.</a:t>
+            </a:r>
+          </a:p>
+          <a:p>
+            <a:r>
+              <a:rPr lang="en-US" dirty="0"/>
+              <a:t>Small Businesses dropped every year from 2008 to 2015, jumping significantly in 2016. Falls in line with historical political trends as to small businesses support. </a:t>
             </a:r>
           </a:p>
         </p:txBody>
